--- a/seance2_mc_simu/monte_carlo_simu.pptx
+++ b/seance2_mc_simu/monte_carlo_simu.pptx
@@ -6189,7 +6189,7 @@
                       <m:sSub>
                         <m:sSubPr>
                           <m:ctrlPr>
-                            <a:rPr lang="fr-FR" b="0" i="0" smtClean="0">
+                            <a:rPr lang="fr-FR" b="0" i="1" smtClean="0">
                               <a:latin typeface="Cambria Math" panose="02040503050406030204" pitchFamily="18" charset="0"/>
                             </a:rPr>
                           </m:ctrlPr>
@@ -6726,6 +6726,38 @@
                   <a:t> </a:t>
                 </a:r>
                 <a:r>
+                  <a:rPr lang="fr-FR" dirty="0" smtClean="0"/>
+                  <a:t>(</a:t>
+                </a:r>
+                <a:r>
+                  <a:rPr lang="fr-FR" dirty="0" err="1" smtClean="0"/>
+                  <a:t>you</a:t>
+                </a:r>
+                <a:r>
+                  <a:rPr lang="fr-FR" dirty="0" smtClean="0"/>
+                  <a:t> </a:t>
+                </a:r>
+                <a:r>
+                  <a:rPr lang="fr-FR" dirty="0" err="1" smtClean="0"/>
+                  <a:t>need</a:t>
+                </a:r>
+                <a:r>
+                  <a:rPr lang="fr-FR" dirty="0" smtClean="0"/>
+                  <a:t> </a:t>
+                </a:r>
+                <a:r>
+                  <a:rPr lang="fr-FR" smtClean="0"/>
+                  <a:t>a polynomial </a:t>
+                </a:r>
+                <a:r>
+                  <a:rPr lang="fr-FR" dirty="0" err="1" smtClean="0"/>
+                  <a:t>regression</a:t>
+                </a:r>
+                <a:r>
+                  <a:rPr lang="fr-FR" dirty="0" smtClean="0"/>
+                  <a:t>) </a:t>
+                </a:r>
+                <a:r>
                   <a:rPr lang="fr-FR" dirty="0" err="1" smtClean="0"/>
                   <a:t>this</a:t>
                 </a:r>
@@ -6885,19 +6917,15 @@
                   <a:t>The number of </a:t>
                 </a:r>
                 <a:r>
-                  <a:rPr lang="en-US" smtClean="0"/>
+                  <a:rPr lang="en-US" dirty="0" smtClean="0"/>
                   <a:t>regression variables is </a:t>
                 </a:r>
                 <a:r>
                   <a:rPr lang="en-US" dirty="0"/>
-                  <a:t>equal to the number </a:t>
-                </a:r>
-                <a:r>
-                  <a:rPr lang="en-US"/>
-                  <a:t>of </a:t>
-                </a:r>
-                <a:r>
-                  <a:rPr lang="en-US" smtClean="0"/>
+                  <a:t>equal to the number of </a:t>
+                </a:r>
+                <a:r>
+                  <a:rPr lang="en-US" dirty="0" smtClean="0"/>
                   <a:t>paths</a:t>
                 </a:r>
                 <a:endParaRPr lang="en-US" dirty="0"/>
@@ -6924,7 +6952,7 @@
               <a:blipFill rotWithShape="0">
                 <a:blip r:embed="rId2"/>
                 <a:stretch>
-                  <a:fillRect l="-950" t="-1729"/>
+                  <a:fillRect l="-950" t="-1729" r="-700"/>
                 </a:stretch>
               </a:blipFill>
             </p:spPr>
